--- a/PPTs/Aza - Salah.pptx
+++ b/PPTs/Aza - Salah.pptx
@@ -6,7 +6,7 @@
     <p:sldMasterId id="2147483721" r:id="rId2"/>
   </p:sldMasterIdLst>
   <p:notesMasterIdLst>
-    <p:notesMasterId r:id="rId40"/>
+    <p:notesMasterId r:id="rId39"/>
   </p:notesMasterIdLst>
   <p:sldIdLst>
     <p:sldId id="261" r:id="rId3"/>
@@ -45,7 +45,6 @@
     <p:sldId id="5552" r:id="rId36"/>
     <p:sldId id="5510" r:id="rId37"/>
     <p:sldId id="5524" r:id="rId38"/>
-    <p:sldId id="257" r:id="rId39"/>
   </p:sldIdLst>
   <p:sldSz cx="12192000" cy="6858000"/>
   <p:notesSz cx="6858000" cy="9144000"/>
@@ -260,7 +259,7 @@
               <a:pPr>
                 <a:defRPr/>
               </a:pPr>
-              <a:t>7/7/2024</a:t>
+              <a:t>7/8/2024</a:t>
             </a:fld>
             <a:endParaRPr lang="en-US"/>
           </a:p>
@@ -5731,65 +5730,418 @@
       </p:grpSpPr>
       <p:sp>
         <p:nvSpPr>
-          <p:cNvPr id="4" name="Title 3">
+          <p:cNvPr id="3" name="Title 3">
             <a:extLst>
               <a:ext uri="{FF2B5EF4-FFF2-40B4-BE49-F238E27FC236}">
-                <a16:creationId xmlns:a16="http://schemas.microsoft.com/office/drawing/2014/main" id="{8CF202D8-3A0D-73E1-A460-F8BFA39DABD6}"/>
+                <a16:creationId xmlns:a16="http://schemas.microsoft.com/office/drawing/2014/main" id="{3FADD321-75B3-116F-833E-0A817CCC6538}"/>
               </a:ext>
             </a:extLst>
           </p:cNvPr>
-          <p:cNvSpPr>
-            <a:spLocks noGrp="1"/>
-          </p:cNvSpPr>
-          <p:nvPr>
-            <p:ph type="ctrTitle"/>
-          </p:nvPr>
-        </p:nvSpPr>
-        <p:spPr>
+          <p:cNvSpPr txBox="1">
+            <a:spLocks/>
+          </p:cNvSpPr>
+          <p:nvPr/>
+        </p:nvSpPr>
+        <p:spPr bwMode="auto">
           <a:xfrm>
             <a:off x="1524000" y="762000"/>
             <a:ext cx="9144000" cy="2387600"/>
           </a:xfrm>
+          <a:prstGeom prst="rect">
+            <a:avLst/>
+          </a:prstGeom>
+          <a:noFill/>
+          <a:ln>
+            <a:noFill/>
+          </a:ln>
+          <a:effectLst/>
+          <a:extLst>
+            <a:ext uri="{909E8E84-426E-40DD-AFC4-6F175D3DCCD1}">
+              <a14:hiddenFill xmlns:a14="http://schemas.microsoft.com/office/drawing/2010/main">
+                <a:solidFill>
+                  <a:schemeClr val="accent1"/>
+                </a:solidFill>
+              </a14:hiddenFill>
+            </a:ext>
+            <a:ext uri="{91240B29-F687-4F45-9708-019B960494DF}">
+              <a14:hiddenLine xmlns:a14="http://schemas.microsoft.com/office/drawing/2010/main" w="9525">
+                <a:solidFill>
+                  <a:schemeClr val="tx1"/>
+                </a:solidFill>
+                <a:miter lim="800000"/>
+                <a:headEnd/>
+                <a:tailEnd/>
+              </a14:hiddenLine>
+            </a:ext>
+            <a:ext uri="{AF507438-7753-43E0-B8FC-AC1667EBCBE1}">
+              <a14:hiddenEffects xmlns:a14="http://schemas.microsoft.com/office/drawing/2010/main">
+                <a:effectLst>
+                  <a:outerShdw dist="35921" dir="2700000" algn="ctr" rotWithShape="0">
+                    <a:schemeClr val="bg2"/>
+                  </a:outerShdw>
+                </a:effectLst>
+              </a14:hiddenEffects>
+            </a:ext>
+          </a:extLst>
+        </p:spPr>
+        <p:txBody>
+          <a:bodyPr vert="horz" wrap="square" lIns="91440" tIns="45720" rIns="91440" bIns="45720" numCol="1" anchor="ctr" anchorCtr="0" compatLnSpc="1">
+            <a:prstTxWarp prst="textNoShape">
+              <a:avLst/>
+            </a:prstTxWarp>
+            <a:normAutofit/>
+          </a:bodyPr>
+          <a:lstStyle>
+            <a:lvl1pPr algn="ctr" rtl="0" eaLnBrk="1" fontAlgn="base" hangingPunct="1">
+              <a:spcBef>
+                <a:spcPct val="0"/>
+              </a:spcBef>
+              <a:spcAft>
+                <a:spcPct val="0"/>
+              </a:spcAft>
+              <a:defRPr sz="8000">
+                <a:solidFill>
+                  <a:schemeClr val="tx1">
+                    <a:lumMod val="85000"/>
+                  </a:schemeClr>
+                </a:solidFill>
+                <a:latin typeface="Arabic Typesetting" panose="03020402040406030203" pitchFamily="66" charset="-78"/>
+                <a:ea typeface="+mj-ea"/>
+                <a:cs typeface="Arabic Typesetting" panose="03020402040406030203" pitchFamily="66" charset="-78"/>
+              </a:defRPr>
+            </a:lvl1pPr>
+            <a:lvl2pPr algn="ctr" rtl="0" eaLnBrk="1" fontAlgn="base" hangingPunct="1">
+              <a:spcBef>
+                <a:spcPct val="0"/>
+              </a:spcBef>
+              <a:spcAft>
+                <a:spcPct val="0"/>
+              </a:spcAft>
+              <a:defRPr sz="4400">
+                <a:solidFill>
+                  <a:srgbClr val="000066"/>
+                </a:solidFill>
+                <a:latin typeface="Arial" charset="0"/>
+                <a:cs typeface="Arial" charset="0"/>
+              </a:defRPr>
+            </a:lvl2pPr>
+            <a:lvl3pPr algn="ctr" rtl="0" eaLnBrk="1" fontAlgn="base" hangingPunct="1">
+              <a:spcBef>
+                <a:spcPct val="0"/>
+              </a:spcBef>
+              <a:spcAft>
+                <a:spcPct val="0"/>
+              </a:spcAft>
+              <a:defRPr sz="4400">
+                <a:solidFill>
+                  <a:srgbClr val="000066"/>
+                </a:solidFill>
+                <a:latin typeface="Arial" charset="0"/>
+                <a:cs typeface="Arial" charset="0"/>
+              </a:defRPr>
+            </a:lvl3pPr>
+            <a:lvl4pPr algn="ctr" rtl="0" eaLnBrk="1" fontAlgn="base" hangingPunct="1">
+              <a:spcBef>
+                <a:spcPct val="0"/>
+              </a:spcBef>
+              <a:spcAft>
+                <a:spcPct val="0"/>
+              </a:spcAft>
+              <a:defRPr sz="4400">
+                <a:solidFill>
+                  <a:srgbClr val="000066"/>
+                </a:solidFill>
+                <a:latin typeface="Arial" charset="0"/>
+                <a:cs typeface="Arial" charset="0"/>
+              </a:defRPr>
+            </a:lvl4pPr>
+            <a:lvl5pPr algn="ctr" rtl="0" eaLnBrk="1" fontAlgn="base" hangingPunct="1">
+              <a:spcBef>
+                <a:spcPct val="0"/>
+              </a:spcBef>
+              <a:spcAft>
+                <a:spcPct val="0"/>
+              </a:spcAft>
+              <a:defRPr sz="4400">
+                <a:solidFill>
+                  <a:srgbClr val="000066"/>
+                </a:solidFill>
+                <a:latin typeface="Arial" charset="0"/>
+                <a:cs typeface="Arial" charset="0"/>
+              </a:defRPr>
+            </a:lvl5pPr>
+            <a:lvl6pPr marL="457200" algn="ctr" rtl="0" eaLnBrk="1" fontAlgn="base" hangingPunct="1">
+              <a:spcBef>
+                <a:spcPct val="0"/>
+              </a:spcBef>
+              <a:spcAft>
+                <a:spcPct val="0"/>
+              </a:spcAft>
+              <a:defRPr sz="4400">
+                <a:solidFill>
+                  <a:srgbClr val="000066"/>
+                </a:solidFill>
+                <a:latin typeface="Arial" charset="0"/>
+                <a:cs typeface="Arial" charset="0"/>
+              </a:defRPr>
+            </a:lvl6pPr>
+            <a:lvl7pPr marL="914400" algn="ctr" rtl="0" eaLnBrk="1" fontAlgn="base" hangingPunct="1">
+              <a:spcBef>
+                <a:spcPct val="0"/>
+              </a:spcBef>
+              <a:spcAft>
+                <a:spcPct val="0"/>
+              </a:spcAft>
+              <a:defRPr sz="4400">
+                <a:solidFill>
+                  <a:srgbClr val="000066"/>
+                </a:solidFill>
+                <a:latin typeface="Arial" charset="0"/>
+                <a:cs typeface="Arial" charset="0"/>
+              </a:defRPr>
+            </a:lvl7pPr>
+            <a:lvl8pPr marL="1371600" algn="ctr" rtl="0" eaLnBrk="1" fontAlgn="base" hangingPunct="1">
+              <a:spcBef>
+                <a:spcPct val="0"/>
+              </a:spcBef>
+              <a:spcAft>
+                <a:spcPct val="0"/>
+              </a:spcAft>
+              <a:defRPr sz="4400">
+                <a:solidFill>
+                  <a:srgbClr val="000066"/>
+                </a:solidFill>
+                <a:latin typeface="Arial" charset="0"/>
+                <a:cs typeface="Arial" charset="0"/>
+              </a:defRPr>
+            </a:lvl8pPr>
+            <a:lvl9pPr marL="1828800" algn="ctr" rtl="0" eaLnBrk="1" fontAlgn="base" hangingPunct="1">
+              <a:spcBef>
+                <a:spcPct val="0"/>
+              </a:spcBef>
+              <a:spcAft>
+                <a:spcPct val="0"/>
+              </a:spcAft>
+              <a:defRPr sz="4400">
+                <a:solidFill>
+                  <a:srgbClr val="000066"/>
+                </a:solidFill>
+                <a:latin typeface="Arial" charset="0"/>
+                <a:cs typeface="Arial" charset="0"/>
+              </a:defRPr>
+            </a:lvl9pPr>
+          </a:lstStyle>
+          <a:p>
+            <a:r>
+              <a:rPr lang="en-CA" kern="0" dirty="0" err="1">
+                <a:latin typeface="Calibri Light" panose="020F0302020204030204" pitchFamily="34" charset="0"/>
+                <a:ea typeface="Calibri Light" panose="020F0302020204030204" pitchFamily="34" charset="0"/>
+                <a:cs typeface="Calibri Light" panose="020F0302020204030204" pitchFamily="34" charset="0"/>
+              </a:rPr>
+              <a:t>Azaan</a:t>
+            </a:r>
+            <a:endParaRPr lang="en-CA" kern="0" dirty="0">
+              <a:latin typeface="Calibri Light" panose="020F0302020204030204" pitchFamily="34" charset="0"/>
+              <a:ea typeface="Calibri Light" panose="020F0302020204030204" pitchFamily="34" charset="0"/>
+              <a:cs typeface="Calibri Light" panose="020F0302020204030204" pitchFamily="34" charset="0"/>
+            </a:endParaRPr>
+          </a:p>
+        </p:txBody>
+      </p:sp>
+      <p:sp>
+        <p:nvSpPr>
+          <p:cNvPr id="6" name="Subtitle 4">
+            <a:extLst>
+              <a:ext uri="{FF2B5EF4-FFF2-40B4-BE49-F238E27FC236}">
+                <a16:creationId xmlns:a16="http://schemas.microsoft.com/office/drawing/2014/main" id="{B9C2D157-EDE5-9283-4567-AB4240D2AFEE}"/>
+              </a:ext>
+            </a:extLst>
+          </p:cNvPr>
+          <p:cNvSpPr txBox="1">
+            <a:spLocks/>
+          </p:cNvSpPr>
+          <p:nvPr/>
+        </p:nvSpPr>
+        <p:spPr>
+          <a:xfrm>
+            <a:off x="1828800" y="3886200"/>
+            <a:ext cx="8534400" cy="1752600"/>
+          </a:xfrm>
+          <a:prstGeom prst="rect">
+            <a:avLst/>
+          </a:prstGeom>
         </p:spPr>
         <p:txBody>
           <a:bodyPr>
             <a:normAutofit/>
           </a:bodyPr>
-          <a:lstStyle/>
-          <a:p>
-            <a:r>
-              <a:rPr lang="en-CA" sz="8000" dirty="0" err="1"/>
-              <a:t>Azaan</a:t>
-            </a:r>
-            <a:endParaRPr lang="en-CA" sz="8000" dirty="0"/>
-          </a:p>
-        </p:txBody>
-      </p:sp>
-      <p:sp>
-        <p:nvSpPr>
-          <p:cNvPr id="5" name="Subtitle 4">
-            <a:extLst>
-              <a:ext uri="{FF2B5EF4-FFF2-40B4-BE49-F238E27FC236}">
-                <a16:creationId xmlns:a16="http://schemas.microsoft.com/office/drawing/2014/main" id="{01FB3F1A-4FB1-418D-3365-13CC234918CE}"/>
-              </a:ext>
-            </a:extLst>
-          </p:cNvPr>
-          <p:cNvSpPr>
-            <a:spLocks noGrp="1"/>
-          </p:cNvSpPr>
-          <p:nvPr>
-            <p:ph type="subTitle" idx="1"/>
-          </p:nvPr>
-        </p:nvSpPr>
-        <p:spPr/>
-        <p:txBody>
-          <a:bodyPr>
-            <a:normAutofit/>
-          </a:bodyPr>
-          <a:lstStyle/>
-          <a:p>
-            <a:r>
-              <a:rPr lang="en-CA" sz="4000" dirty="0"/>
+          <a:lstStyle>
+            <a:lvl1pPr marL="342900" indent="-342900" algn="l" rtl="0" eaLnBrk="1" fontAlgn="base" hangingPunct="1">
+              <a:spcBef>
+                <a:spcPct val="20000"/>
+              </a:spcBef>
+              <a:spcAft>
+                <a:spcPct val="0"/>
+              </a:spcAft>
+              <a:buChar char="•"/>
+              <a:defRPr sz="4800">
+                <a:solidFill>
+                  <a:schemeClr val="tx1">
+                    <a:lumMod val="85000"/>
+                  </a:schemeClr>
+                </a:solidFill>
+                <a:latin typeface="Arabic Typesetting" panose="03020402040406030203" pitchFamily="66" charset="-78"/>
+                <a:ea typeface="+mn-ea"/>
+                <a:cs typeface="Arabic Typesetting" panose="03020402040406030203" pitchFamily="66" charset="-78"/>
+              </a:defRPr>
+            </a:lvl1pPr>
+            <a:lvl2pPr marL="742950" indent="-285750" algn="l" rtl="0" eaLnBrk="1" fontAlgn="base" hangingPunct="1">
+              <a:spcBef>
+                <a:spcPct val="20000"/>
+              </a:spcBef>
+              <a:spcAft>
+                <a:spcPct val="0"/>
+              </a:spcAft>
+              <a:buChar char="–"/>
+              <a:defRPr sz="4400">
+                <a:solidFill>
+                  <a:schemeClr val="tx1">
+                    <a:lumMod val="85000"/>
+                  </a:schemeClr>
+                </a:solidFill>
+                <a:latin typeface="Arabic Typesetting" panose="03020402040406030203" pitchFamily="66" charset="-78"/>
+                <a:cs typeface="Arabic Typesetting" panose="03020402040406030203" pitchFamily="66" charset="-78"/>
+              </a:defRPr>
+            </a:lvl2pPr>
+            <a:lvl3pPr marL="1143000" indent="-228600" algn="l" rtl="0" eaLnBrk="1" fontAlgn="base" hangingPunct="1">
+              <a:spcBef>
+                <a:spcPct val="20000"/>
+              </a:spcBef>
+              <a:spcAft>
+                <a:spcPct val="0"/>
+              </a:spcAft>
+              <a:buChar char="•"/>
+              <a:defRPr sz="4000">
+                <a:solidFill>
+                  <a:schemeClr val="tx1">
+                    <a:lumMod val="85000"/>
+                  </a:schemeClr>
+                </a:solidFill>
+                <a:latin typeface="Arabic Typesetting" panose="03020402040406030203" pitchFamily="66" charset="-78"/>
+                <a:cs typeface="Arabic Typesetting" panose="03020402040406030203" pitchFamily="66" charset="-78"/>
+              </a:defRPr>
+            </a:lvl3pPr>
+            <a:lvl4pPr marL="1600200" indent="-228600" algn="l" rtl="0" eaLnBrk="1" fontAlgn="base" hangingPunct="1">
+              <a:spcBef>
+                <a:spcPct val="20000"/>
+              </a:spcBef>
+              <a:spcAft>
+                <a:spcPct val="0"/>
+              </a:spcAft>
+              <a:buChar char="–"/>
+              <a:defRPr sz="3600">
+                <a:solidFill>
+                  <a:schemeClr val="tx1">
+                    <a:lumMod val="85000"/>
+                  </a:schemeClr>
+                </a:solidFill>
+                <a:latin typeface="Arabic Typesetting" panose="03020402040406030203" pitchFamily="66" charset="-78"/>
+                <a:cs typeface="Arabic Typesetting" panose="03020402040406030203" pitchFamily="66" charset="-78"/>
+              </a:defRPr>
+            </a:lvl4pPr>
+            <a:lvl5pPr marL="2057400" indent="-228600" algn="l" rtl="0" eaLnBrk="1" fontAlgn="base" hangingPunct="1">
+              <a:spcBef>
+                <a:spcPct val="20000"/>
+              </a:spcBef>
+              <a:spcAft>
+                <a:spcPct val="0"/>
+              </a:spcAft>
+              <a:buChar char="»"/>
+              <a:defRPr sz="3600">
+                <a:solidFill>
+                  <a:schemeClr val="tx1">
+                    <a:lumMod val="85000"/>
+                  </a:schemeClr>
+                </a:solidFill>
+                <a:latin typeface="Arabic Typesetting" panose="03020402040406030203" pitchFamily="66" charset="-78"/>
+                <a:cs typeface="Arabic Typesetting" panose="03020402040406030203" pitchFamily="66" charset="-78"/>
+              </a:defRPr>
+            </a:lvl5pPr>
+            <a:lvl6pPr marL="2514600" indent="-228600" algn="l" rtl="0" eaLnBrk="1" fontAlgn="base" hangingPunct="1">
+              <a:spcBef>
+                <a:spcPct val="20000"/>
+              </a:spcBef>
+              <a:spcAft>
+                <a:spcPct val="0"/>
+              </a:spcAft>
+              <a:buChar char="»"/>
+              <a:defRPr sz="2000">
+                <a:solidFill>
+                  <a:srgbClr val="000066"/>
+                </a:solidFill>
+                <a:latin typeface="+mn-lt"/>
+                <a:cs typeface="+mn-cs"/>
+              </a:defRPr>
+            </a:lvl6pPr>
+            <a:lvl7pPr marL="2971800" indent="-228600" algn="l" rtl="0" eaLnBrk="1" fontAlgn="base" hangingPunct="1">
+              <a:spcBef>
+                <a:spcPct val="20000"/>
+              </a:spcBef>
+              <a:spcAft>
+                <a:spcPct val="0"/>
+              </a:spcAft>
+              <a:buChar char="»"/>
+              <a:defRPr sz="2000">
+                <a:solidFill>
+                  <a:srgbClr val="000066"/>
+                </a:solidFill>
+                <a:latin typeface="+mn-lt"/>
+                <a:cs typeface="+mn-cs"/>
+              </a:defRPr>
+            </a:lvl7pPr>
+            <a:lvl8pPr marL="3429000" indent="-228600" algn="l" rtl="0" eaLnBrk="1" fontAlgn="base" hangingPunct="1">
+              <a:spcBef>
+                <a:spcPct val="20000"/>
+              </a:spcBef>
+              <a:spcAft>
+                <a:spcPct val="0"/>
+              </a:spcAft>
+              <a:buChar char="»"/>
+              <a:defRPr sz="2000">
+                <a:solidFill>
+                  <a:srgbClr val="000066"/>
+                </a:solidFill>
+                <a:latin typeface="+mn-lt"/>
+                <a:cs typeface="+mn-cs"/>
+              </a:defRPr>
+            </a:lvl8pPr>
+            <a:lvl9pPr marL="3886200" indent="-228600" algn="l" rtl="0" eaLnBrk="1" fontAlgn="base" hangingPunct="1">
+              <a:spcBef>
+                <a:spcPct val="20000"/>
+              </a:spcBef>
+              <a:spcAft>
+                <a:spcPct val="0"/>
+              </a:spcAft>
+              <a:buChar char="»"/>
+              <a:defRPr sz="2000">
+                <a:solidFill>
+                  <a:srgbClr val="000066"/>
+                </a:solidFill>
+                <a:latin typeface="+mn-lt"/>
+                <a:cs typeface="+mn-cs"/>
+              </a:defRPr>
+            </a:lvl9pPr>
+          </a:lstStyle>
+          <a:p>
+            <a:pPr marL="0" indent="0" algn="ctr">
+              <a:buNone/>
+            </a:pPr>
+            <a:r>
+              <a:rPr lang="en-CA" sz="4000" kern="0" dirty="0">
+                <a:latin typeface="Calibri Light" panose="020F0302020204030204" pitchFamily="34" charset="0"/>
+                <a:ea typeface="Calibri Light" panose="020F0302020204030204" pitchFamily="34" charset="0"/>
+                <a:cs typeface="Calibri Light" panose="020F0302020204030204" pitchFamily="34" charset="0"/>
+              </a:rPr>
               <a:t>Please maintain silence and mute your phones for the duration of Salat</a:t>
             </a:r>
           </a:p>
@@ -5805,9 +6157,18 @@
   <p:clrMapOvr>
     <a:masterClrMapping/>
   </p:clrMapOvr>
-  <p:transition>
-    <p:fade/>
-  </p:transition>
+  <mc:AlternateContent xmlns:mc="http://schemas.openxmlformats.org/markup-compatibility/2006" xmlns:p14="http://schemas.microsoft.com/office/powerpoint/2010/main">
+    <mc:Choice Requires="p14">
+      <p:transition p14:dur="300">
+        <p:fade/>
+      </p:transition>
+    </mc:Choice>
+    <mc:Fallback xmlns="">
+      <p:transition>
+        <p:fade/>
+      </p:transition>
+    </mc:Fallback>
+  </mc:AlternateContent>
 </p:sld>
 </file>
 
@@ -10835,13 +11196,13 @@
             <a:spLocks noGrp="1" noChangeArrowheads="1"/>
           </p:cNvSpPr>
           <p:nvPr>
-            <p:ph type="ctrTitle"/>
+            <p:ph type="title"/>
           </p:nvPr>
         </p:nvSpPr>
         <p:spPr>
           <a:xfrm>
-            <a:off x="2209800" y="1753663"/>
-            <a:ext cx="7702550" cy="3785652"/>
+            <a:off x="550863" y="920621"/>
+            <a:ext cx="11090275" cy="5016758"/>
           </a:xfrm>
           <a:noFill/>
         </p:spPr>
@@ -10851,440 +11212,51 @@
           </a:bodyPr>
           <a:lstStyle/>
           <a:p>
-            <a:pPr eaLnBrk="1" hangingPunct="1"/>
-            <a:r>
-              <a:rPr lang="en-US" altLang="en-US" sz="4800" kern="1200" dirty="0">
-                <a:solidFill>
-                  <a:srgbClr val="002060"/>
-                </a:solidFill>
-                <a:ea typeface="Calibri Light" panose="020F0302020204030204" pitchFamily="34" charset="0"/>
-                <a:cs typeface="Arabic Typesetting" panose="03020402040406030203" pitchFamily="66" charset="-78"/>
-              </a:rPr>
+            <a:r>
+              <a:rPr lang="en-US" altLang="en-US" dirty="0"/>
               <a:t>Please recite a </a:t>
             </a:r>
             <a:br>
-              <a:rPr lang="en-US" altLang="en-US" sz="4800" kern="1200" dirty="0">
-                <a:solidFill>
-                  <a:srgbClr val="002060"/>
-                </a:solidFill>
-                <a:ea typeface="Calibri Light" panose="020F0302020204030204" pitchFamily="34" charset="0"/>
-                <a:cs typeface="Arabic Typesetting" panose="03020402040406030203" pitchFamily="66" charset="-78"/>
-              </a:rPr>
+              <a:rPr lang="en-US" altLang="en-US" dirty="0"/>
             </a:br>
             <a:r>
-              <a:rPr lang="en-US" altLang="en-US" sz="4800" kern="1200" dirty="0">
-                <a:solidFill>
-                  <a:srgbClr val="002060"/>
-                </a:solidFill>
-                <a:ea typeface="Calibri Light" panose="020F0302020204030204" pitchFamily="34" charset="0"/>
-                <a:cs typeface="Arabic Typesetting" panose="03020402040406030203" pitchFamily="66" charset="-78"/>
-              </a:rPr>
+              <a:rPr lang="en-US" altLang="en-US" dirty="0"/>
               <a:t>Surah </a:t>
             </a:r>
             <a:r>
-              <a:rPr lang="en-CA" altLang="en-US" sz="4800" kern="1200" dirty="0">
-                <a:solidFill>
-                  <a:srgbClr val="002060"/>
-                </a:solidFill>
-                <a:ea typeface="Calibri Light" panose="020F0302020204030204" pitchFamily="34" charset="0"/>
-                <a:cs typeface="Arabic Typesetting" panose="03020402040406030203" pitchFamily="66" charset="-78"/>
-              </a:rPr>
+              <a:rPr lang="en-CA" altLang="en-US" dirty="0"/>
               <a:t>a</a:t>
             </a:r>
             <a:r>
-              <a:rPr lang="en-US" altLang="en-US" sz="4800" kern="1200" dirty="0">
-                <a:solidFill>
-                  <a:srgbClr val="002060"/>
-                </a:solidFill>
-                <a:ea typeface="Calibri Light" panose="020F0302020204030204" pitchFamily="34" charset="0"/>
-                <a:cs typeface="Arabic Typesetting" panose="03020402040406030203" pitchFamily="66" charset="-78"/>
-              </a:rPr>
+              <a:rPr lang="en-US" altLang="en-US" dirty="0"/>
               <a:t>l-</a:t>
             </a:r>
             <a:r>
-              <a:rPr lang="en-US" altLang="en-US" sz="4800" kern="1200" dirty="0" err="1">
-                <a:solidFill>
-                  <a:srgbClr val="002060"/>
-                </a:solidFill>
-                <a:ea typeface="Calibri Light" panose="020F0302020204030204" pitchFamily="34" charset="0"/>
-                <a:cs typeface="Arabic Typesetting" panose="03020402040406030203" pitchFamily="66" charset="-78"/>
-              </a:rPr>
+              <a:rPr lang="en-US" altLang="en-US" dirty="0" err="1"/>
               <a:t>Fatiha</a:t>
             </a:r>
             <a:br>
-              <a:rPr lang="en-US" altLang="en-US" sz="4800" kern="1200" dirty="0">
-                <a:solidFill>
-                  <a:srgbClr val="002060"/>
-                </a:solidFill>
-                <a:ea typeface="Calibri Light" panose="020F0302020204030204" pitchFamily="34" charset="0"/>
-                <a:cs typeface="Arabic Typesetting" panose="03020402040406030203" pitchFamily="66" charset="-78"/>
-              </a:rPr>
+              <a:rPr lang="en-US" altLang="en-US" dirty="0"/>
             </a:br>
             <a:r>
-              <a:rPr lang="en-US" altLang="en-US" sz="4800" kern="1200" dirty="0">
-                <a:solidFill>
-                  <a:srgbClr val="002060"/>
-                </a:solidFill>
-                <a:ea typeface="Calibri Light" panose="020F0302020204030204" pitchFamily="34" charset="0"/>
-                <a:cs typeface="Arabic Typesetting" panose="03020402040406030203" pitchFamily="66" charset="-78"/>
-              </a:rPr>
+              <a:rPr lang="en-US" altLang="en-US" dirty="0"/>
               <a:t>for</a:t>
             </a:r>
             <a:br>
-              <a:rPr lang="en-US" altLang="en-US" sz="4800" kern="1200" dirty="0">
-                <a:solidFill>
-                  <a:srgbClr val="002060"/>
-                </a:solidFill>
-                <a:ea typeface="Calibri Light" panose="020F0302020204030204" pitchFamily="34" charset="0"/>
-                <a:cs typeface="Arabic Typesetting" panose="03020402040406030203" pitchFamily="66" charset="-78"/>
-              </a:rPr>
+              <a:rPr lang="en-US" altLang="en-US" dirty="0"/>
             </a:br>
             <a:r>
-              <a:rPr lang="en-US" altLang="en-US" sz="4800" kern="1200" dirty="0">
-                <a:solidFill>
-                  <a:srgbClr val="002060"/>
-                </a:solidFill>
-                <a:ea typeface="Calibri Light" panose="020F0302020204030204" pitchFamily="34" charset="0"/>
-                <a:cs typeface="Arabic Typesetting" panose="03020402040406030203" pitchFamily="66" charset="-78"/>
-              </a:rPr>
+              <a:rPr lang="en-US" altLang="en-US" dirty="0"/>
               <a:t>all </a:t>
             </a:r>
             <a:r>
-              <a:rPr lang="en-US" altLang="en-US" sz="4800" kern="1200" dirty="0" err="1">
-                <a:solidFill>
-                  <a:srgbClr val="002060"/>
-                </a:solidFill>
-                <a:ea typeface="Calibri Light" panose="020F0302020204030204" pitchFamily="34" charset="0"/>
-                <a:cs typeface="Arabic Typesetting" panose="03020402040406030203" pitchFamily="66" charset="-78"/>
-              </a:rPr>
+              <a:rPr lang="en-US" altLang="en-US" dirty="0" err="1"/>
               <a:t>marhumeen</a:t>
             </a:r>
-            <a:br>
-              <a:rPr lang="en-US" altLang="en-US" sz="4800" kern="1200" dirty="0">
-                <a:solidFill>
-                  <a:srgbClr val="002060"/>
-                </a:solidFill>
-                <a:ea typeface="Calibri Light" panose="020F0302020204030204" pitchFamily="34" charset="0"/>
-                <a:cs typeface="Arabic Typesetting" panose="03020402040406030203" pitchFamily="66" charset="-78"/>
-              </a:rPr>
-            </a:br>
-            <a:endParaRPr lang="en-GB" altLang="en-US" sz="4800" kern="1200" dirty="0">
-              <a:solidFill>
-                <a:srgbClr val="002060"/>
-              </a:solidFill>
-              <a:ea typeface="Calibri Light" panose="020F0302020204030204" pitchFamily="34" charset="0"/>
-              <a:cs typeface="Arabic Typesetting" panose="03020402040406030203" pitchFamily="66" charset="-78"/>
-            </a:endParaRPr>
-          </a:p>
-        </p:txBody>
-      </p:sp>
-      <p:sp>
-        <p:nvSpPr>
-          <p:cNvPr id="21508" name="Rectangle 4"/>
-          <p:cNvSpPr>
-            <a:spLocks noChangeArrowheads="1"/>
-          </p:cNvSpPr>
-          <p:nvPr/>
-        </p:nvSpPr>
-        <p:spPr bwMode="auto">
-          <a:xfrm>
-            <a:off x="1703389" y="6024563"/>
-            <a:ext cx="8785225" cy="276999"/>
-          </a:xfrm>
-          <a:prstGeom prst="rect">
-            <a:avLst/>
-          </a:prstGeom>
-          <a:noFill/>
-          <a:ln>
-            <a:noFill/>
-          </a:ln>
-          <a:effectLst/>
-          <a:extLst>
-            <a:ext uri="{909E8E84-426E-40DD-AFC4-6F175D3DCCD1}">
-              <a14:hiddenFill xmlns:a14="http://schemas.microsoft.com/office/drawing/2010/main">
-                <a:solidFill>
-                  <a:schemeClr val="accent1"/>
-                </a:solidFill>
-              </a14:hiddenFill>
-            </a:ext>
-            <a:ext uri="{91240B29-F687-4F45-9708-019B960494DF}">
-              <a14:hiddenLine xmlns:a14="http://schemas.microsoft.com/office/drawing/2010/main" w="9525">
-                <a:solidFill>
-                  <a:schemeClr val="tx1"/>
-                </a:solidFill>
-                <a:miter lim="800000"/>
-                <a:headEnd/>
-                <a:tailEnd/>
-              </a14:hiddenLine>
-            </a:ext>
-            <a:ext uri="{AF507438-7753-43E0-B8FC-AC1667EBCBE1}">
-              <a14:hiddenEffects xmlns:a14="http://schemas.microsoft.com/office/drawing/2010/main">
-                <a:effectLst>
-                  <a:outerShdw dist="35921" dir="2700000" algn="ctr" rotWithShape="0">
-                    <a:schemeClr val="bg2"/>
-                  </a:outerShdw>
-                </a:effectLst>
-              </a14:hiddenEffects>
-            </a:ext>
-          </a:extLst>
-        </p:spPr>
-        <p:txBody>
-          <a:bodyPr>
-            <a:spAutoFit/>
-          </a:bodyPr>
-          <a:lstStyle>
-            <a:lvl1pPr>
-              <a:defRPr sz="2400">
-                <a:solidFill>
-                  <a:schemeClr val="tx1"/>
-                </a:solidFill>
-                <a:latin typeface="Times New Roman" panose="02020603050405020304" pitchFamily="18" charset="0"/>
-              </a:defRPr>
-            </a:lvl1pPr>
-            <a:lvl2pPr marL="742950" indent="-285750">
-              <a:defRPr sz="2400">
-                <a:solidFill>
-                  <a:schemeClr val="tx1"/>
-                </a:solidFill>
-                <a:latin typeface="Times New Roman" panose="02020603050405020304" pitchFamily="18" charset="0"/>
-              </a:defRPr>
-            </a:lvl2pPr>
-            <a:lvl3pPr marL="1143000" indent="-228600">
-              <a:defRPr sz="2400">
-                <a:solidFill>
-                  <a:schemeClr val="tx1"/>
-                </a:solidFill>
-                <a:latin typeface="Times New Roman" panose="02020603050405020304" pitchFamily="18" charset="0"/>
-              </a:defRPr>
-            </a:lvl3pPr>
-            <a:lvl4pPr marL="1600200" indent="-228600">
-              <a:defRPr sz="2400">
-                <a:solidFill>
-                  <a:schemeClr val="tx1"/>
-                </a:solidFill>
-                <a:latin typeface="Times New Roman" panose="02020603050405020304" pitchFamily="18" charset="0"/>
-              </a:defRPr>
-            </a:lvl4pPr>
-            <a:lvl5pPr marL="2057400" indent="-228600">
-              <a:defRPr sz="2400">
-                <a:solidFill>
-                  <a:schemeClr val="tx1"/>
-                </a:solidFill>
-                <a:latin typeface="Times New Roman" panose="02020603050405020304" pitchFamily="18" charset="0"/>
-              </a:defRPr>
-            </a:lvl5pPr>
-            <a:lvl6pPr marL="2514600" indent="-228600" algn="ctr" eaLnBrk="0" fontAlgn="base" hangingPunct="0">
-              <a:spcBef>
-                <a:spcPct val="0"/>
-              </a:spcBef>
-              <a:spcAft>
-                <a:spcPct val="0"/>
-              </a:spcAft>
-              <a:defRPr sz="2400">
-                <a:solidFill>
-                  <a:schemeClr val="tx1"/>
-                </a:solidFill>
-                <a:latin typeface="Times New Roman" panose="02020603050405020304" pitchFamily="18" charset="0"/>
-              </a:defRPr>
-            </a:lvl6pPr>
-            <a:lvl7pPr marL="2971800" indent="-228600" algn="ctr" eaLnBrk="0" fontAlgn="base" hangingPunct="0">
-              <a:spcBef>
-                <a:spcPct val="0"/>
-              </a:spcBef>
-              <a:spcAft>
-                <a:spcPct val="0"/>
-              </a:spcAft>
-              <a:defRPr sz="2400">
-                <a:solidFill>
-                  <a:schemeClr val="tx1"/>
-                </a:solidFill>
-                <a:latin typeface="Times New Roman" panose="02020603050405020304" pitchFamily="18" charset="0"/>
-              </a:defRPr>
-            </a:lvl7pPr>
-            <a:lvl8pPr marL="3429000" indent="-228600" algn="ctr" eaLnBrk="0" fontAlgn="base" hangingPunct="0">
-              <a:spcBef>
-                <a:spcPct val="0"/>
-              </a:spcBef>
-              <a:spcAft>
-                <a:spcPct val="0"/>
-              </a:spcAft>
-              <a:defRPr sz="2400">
-                <a:solidFill>
-                  <a:schemeClr val="tx1"/>
-                </a:solidFill>
-                <a:latin typeface="Times New Roman" panose="02020603050405020304" pitchFamily="18" charset="0"/>
-              </a:defRPr>
-            </a:lvl8pPr>
-            <a:lvl9pPr marL="3886200" indent="-228600" algn="ctr" eaLnBrk="0" fontAlgn="base" hangingPunct="0">
-              <a:spcBef>
-                <a:spcPct val="0"/>
-              </a:spcBef>
-              <a:spcAft>
-                <a:spcPct val="0"/>
-              </a:spcAft>
-              <a:defRPr sz="2400">
-                <a:solidFill>
-                  <a:schemeClr val="tx1"/>
-                </a:solidFill>
-                <a:latin typeface="Times New Roman" panose="02020603050405020304" pitchFamily="18" charset="0"/>
-              </a:defRPr>
-            </a:lvl9pPr>
-          </a:lstStyle>
-          <a:p>
-            <a:pPr eaLnBrk="1" hangingPunct="1"/>
-            <a:r>
-              <a:rPr lang="en-US" altLang="en-US" sz="1200" b="1" dirty="0">
-                <a:solidFill>
-                  <a:srgbClr val="000066"/>
-                </a:solidFill>
-                <a:latin typeface="Trebuchet MS" panose="020B0603020202020204" pitchFamily="34" charset="0"/>
-                <a:cs typeface="Calibri Light" panose="020F0302020204030204" pitchFamily="34" charset="0"/>
-              </a:rPr>
-              <a:t>Kindly recite Surah Al-</a:t>
-            </a:r>
-            <a:r>
-              <a:rPr lang="en-US" altLang="en-US" sz="1200" b="1" dirty="0" err="1">
-                <a:solidFill>
-                  <a:srgbClr val="000066"/>
-                </a:solidFill>
-                <a:latin typeface="Trebuchet MS" panose="020B0603020202020204" pitchFamily="34" charset="0"/>
-                <a:cs typeface="Calibri Light" panose="020F0302020204030204" pitchFamily="34" charset="0"/>
-              </a:rPr>
-              <a:t>Fātiḥa</a:t>
-            </a:r>
-            <a:r>
-              <a:rPr lang="en-US" altLang="en-US" sz="1200" b="1" dirty="0">
-                <a:solidFill>
-                  <a:srgbClr val="000066"/>
-                </a:solidFill>
-                <a:latin typeface="Trebuchet MS" panose="020B0603020202020204" pitchFamily="34" charset="0"/>
-                <a:cs typeface="Calibri Light" panose="020F0302020204030204" pitchFamily="34" charset="0"/>
-              </a:rPr>
-              <a:t> for </a:t>
-            </a:r>
-            <a:r>
-              <a:rPr lang="en-US" altLang="en-US" sz="1200" b="1" dirty="0" err="1">
-                <a:solidFill>
-                  <a:srgbClr val="000066"/>
-                </a:solidFill>
-                <a:latin typeface="Trebuchet MS" panose="020B0603020202020204" pitchFamily="34" charset="0"/>
-                <a:cs typeface="Calibri Light" panose="020F0302020204030204" pitchFamily="34" charset="0"/>
-              </a:rPr>
-              <a:t>Marhumeen</a:t>
-            </a:r>
-            <a:r>
-              <a:rPr lang="en-US" altLang="en-US" sz="1200" b="1" dirty="0">
-                <a:solidFill>
-                  <a:srgbClr val="000066"/>
-                </a:solidFill>
-                <a:latin typeface="Trebuchet MS" panose="020B0603020202020204" pitchFamily="34" charset="0"/>
-                <a:cs typeface="Calibri Light" panose="020F0302020204030204" pitchFamily="34" charset="0"/>
-              </a:rPr>
-              <a:t> of all those who have worked towards making this small work possible.</a:t>
-            </a:r>
-          </a:p>
-        </p:txBody>
-      </p:sp>
-      <p:grpSp>
-        <p:nvGrpSpPr>
-          <p:cNvPr id="2" name="Group 1">
-            <a:extLst>
-              <a:ext uri="{FF2B5EF4-FFF2-40B4-BE49-F238E27FC236}">
-                <a16:creationId xmlns:a16="http://schemas.microsoft.com/office/drawing/2014/main" id="{FF832388-AA32-8ECC-C300-89AA783BCB77}"/>
-              </a:ext>
-            </a:extLst>
-          </p:cNvPr>
-          <p:cNvGrpSpPr/>
-          <p:nvPr/>
-        </p:nvGrpSpPr>
-        <p:grpSpPr>
-          <a:xfrm>
-            <a:off x="4655840" y="6301562"/>
-            <a:ext cx="2609137" cy="369332"/>
-            <a:chOff x="3738690" y="1030144"/>
-            <a:chExt cx="2609137" cy="369332"/>
-          </a:xfrm>
-        </p:grpSpPr>
-        <p:sp>
-          <p:nvSpPr>
-            <p:cNvPr id="3" name="TextBox 2">
-              <a:extLst>
-                <a:ext uri="{FF2B5EF4-FFF2-40B4-BE49-F238E27FC236}">
-                  <a16:creationId xmlns:a16="http://schemas.microsoft.com/office/drawing/2014/main" id="{D5573722-E002-3DAA-B27B-F9E7AF17F51D}"/>
-                </a:ext>
-              </a:extLst>
-            </p:cNvPr>
-            <p:cNvSpPr txBox="1"/>
-            <p:nvPr/>
-          </p:nvSpPr>
-          <p:spPr>
-            <a:xfrm>
-              <a:off x="3738690" y="1030144"/>
-              <a:ext cx="2232248" cy="369332"/>
-            </a:xfrm>
-            <a:prstGeom prst="rect">
-              <a:avLst/>
-            </a:prstGeom>
-            <a:noFill/>
-          </p:spPr>
-          <p:txBody>
-            <a:bodyPr wrap="square" rtlCol="0">
-              <a:spAutoFit/>
-            </a:bodyPr>
-            <a:lstStyle/>
-            <a:p>
-              <a:pPr algn="ctr"/>
-              <a:r>
-                <a:rPr lang="en-US" b="1" dirty="0">
-                  <a:solidFill>
-                    <a:srgbClr val="000066"/>
-                  </a:solidFill>
-                  <a:latin typeface="Calibri Light" panose="020F0302020204030204" pitchFamily="34" charset="0"/>
-                  <a:ea typeface="Calibri Light" panose="020F0302020204030204" pitchFamily="34" charset="0"/>
-                  <a:cs typeface="Calibri Light" panose="020F0302020204030204" pitchFamily="34" charset="0"/>
-                </a:rPr>
-                <a:t>Courtesy of </a:t>
-              </a:r>
-            </a:p>
-          </p:txBody>
-        </p:sp>
-        <p:pic>
-          <p:nvPicPr>
-            <p:cNvPr id="4" name="Picture 3" descr="Logo&#10;&#10;Description automatically generated">
-              <a:extLst>
-                <a:ext uri="{FF2B5EF4-FFF2-40B4-BE49-F238E27FC236}">
-                  <a16:creationId xmlns:a16="http://schemas.microsoft.com/office/drawing/2014/main" id="{86F0A95E-14B4-517D-CE32-24184970AE70}"/>
-                </a:ext>
-              </a:extLst>
-            </p:cNvPr>
-            <p:cNvPicPr>
-              <a:picLocks noChangeAspect="1"/>
-            </p:cNvPicPr>
-            <p:nvPr/>
-          </p:nvPicPr>
-          <p:blipFill>
-            <a:blip r:embed="rId2" cstate="print">
-              <a:extLst>
-                <a:ext uri="{28A0092B-C50C-407E-A947-70E740481C1C}">
-                  <a14:useLocalDpi xmlns:a14="http://schemas.microsoft.com/office/drawing/2010/main" val="0"/>
-                </a:ext>
-              </a:extLst>
-            </a:blip>
-            <a:stretch>
-              <a:fillRect/>
-            </a:stretch>
-          </p:blipFill>
-          <p:spPr>
-            <a:xfrm>
-              <a:off x="5467285" y="1074091"/>
-              <a:ext cx="880542" cy="214609"/>
-            </a:xfrm>
-            <a:prstGeom prst="rect">
-              <a:avLst/>
-            </a:prstGeom>
-          </p:spPr>
-        </p:pic>
-      </p:grpSp>
+            <a:endParaRPr lang="en-GB" altLang="en-US" dirty="0"/>
+          </a:p>
+        </p:txBody>
+      </p:sp>
     </p:spTree>
   </p:cSld>
   <p:clrMapOvr>
@@ -11298,570 +11270,6 @@
       <p:transition/>
     </mc:Fallback>
   </mc:AlternateContent>
-</p:sld>
-</file>
-
-<file path=ppt/slides/slide37.xml><?xml version="1.0" encoding="utf-8"?>
-<p:sld xmlns:a="http://schemas.openxmlformats.org/drawingml/2006/main" xmlns:r="http://schemas.openxmlformats.org/officeDocument/2006/relationships" xmlns:p="http://schemas.openxmlformats.org/presentationml/2006/main">
-  <p:cSld>
-    <p:spTree>
-      <p:nvGrpSpPr>
-        <p:cNvPr id="1" name=""/>
-        <p:cNvGrpSpPr/>
-        <p:nvPr/>
-      </p:nvGrpSpPr>
-      <p:grpSpPr>
-        <a:xfrm>
-          <a:off x="0" y="0"/>
-          <a:ext cx="0" cy="0"/>
-          <a:chOff x="0" y="0"/>
-          <a:chExt cx="0" cy="0"/>
-        </a:xfrm>
-      </p:grpSpPr>
-      <p:sp>
-        <p:nvSpPr>
-          <p:cNvPr id="2" name="Title 1">
-            <a:extLst>
-              <a:ext uri="{FF2B5EF4-FFF2-40B4-BE49-F238E27FC236}">
-                <a16:creationId xmlns:a16="http://schemas.microsoft.com/office/drawing/2014/main" id="{6E8EDB53-9193-B105-3A0E-884FBF3DAABB}"/>
-              </a:ext>
-            </a:extLst>
-          </p:cNvPr>
-          <p:cNvSpPr>
-            <a:spLocks noGrp="1"/>
-          </p:cNvSpPr>
-          <p:nvPr>
-            <p:ph type="title"/>
-          </p:nvPr>
-        </p:nvSpPr>
-        <p:spPr>
-          <a:xfrm>
-            <a:off x="838201" y="166126"/>
-            <a:ext cx="10515600" cy="1325563"/>
-          </a:xfrm>
-        </p:spPr>
-        <p:txBody>
-          <a:bodyPr/>
-          <a:lstStyle/>
-          <a:p>
-            <a:pPr algn="ctr"/>
-            <a:r>
-              <a:rPr lang="en-CA" dirty="0">
-                <a:solidFill>
-                  <a:schemeClr val="accent6">
-                    <a:lumMod val="50000"/>
-                  </a:schemeClr>
-                </a:solidFill>
-                <a:latin typeface="Righteous"/>
-              </a:rPr>
-              <a:t>Salat for the first 10 days of </a:t>
-            </a:r>
-            <a:r>
-              <a:rPr lang="en-CA" b="0" i="0" dirty="0" err="1">
-                <a:solidFill>
-                  <a:schemeClr val="accent6">
-                    <a:lumMod val="50000"/>
-                  </a:schemeClr>
-                </a:solidFill>
-                <a:effectLst/>
-                <a:latin typeface="Righteous"/>
-              </a:rPr>
-              <a:t>Dhul-hijjah</a:t>
-            </a:r>
-            <a:endParaRPr lang="en-CA" dirty="0">
-              <a:solidFill>
-                <a:schemeClr val="accent6">
-                  <a:lumMod val="50000"/>
-                </a:schemeClr>
-              </a:solidFill>
-              <a:latin typeface="Righteous"/>
-            </a:endParaRPr>
-          </a:p>
-        </p:txBody>
-      </p:sp>
-      <p:sp>
-        <p:nvSpPr>
-          <p:cNvPr id="8" name="TextBox 7">
-            <a:extLst>
-              <a:ext uri="{FF2B5EF4-FFF2-40B4-BE49-F238E27FC236}">
-                <a16:creationId xmlns:a16="http://schemas.microsoft.com/office/drawing/2014/main" id="{89CE113C-55BD-CA68-F6A9-E0D1398B3B32}"/>
-              </a:ext>
-            </a:extLst>
-          </p:cNvPr>
-          <p:cNvSpPr txBox="1"/>
-          <p:nvPr/>
-        </p:nvSpPr>
-        <p:spPr>
-          <a:xfrm>
-            <a:off x="6312024" y="2925076"/>
-            <a:ext cx="5461698" cy="3477875"/>
-          </a:xfrm>
-          <a:prstGeom prst="rect">
-            <a:avLst/>
-          </a:prstGeom>
-          <a:noFill/>
-        </p:spPr>
-        <p:txBody>
-          <a:bodyPr wrap="square">
-            <a:spAutoFit/>
-          </a:bodyPr>
-          <a:lstStyle/>
-          <a:p>
-            <a:pPr marL="0" marR="0" lvl="0" indent="0" algn="ctr" defTabSz="914400" rtl="1" eaLnBrk="0" fontAlgn="base" latinLnBrk="0" hangingPunct="0">
-              <a:lnSpc>
-                <a:spcPct val="100000"/>
-              </a:lnSpc>
-              <a:spcBef>
-                <a:spcPct val="0"/>
-              </a:spcBef>
-              <a:spcAft>
-                <a:spcPct val="0"/>
-              </a:spcAft>
-              <a:buClrTx/>
-              <a:buSzTx/>
-              <a:buFontTx/>
-              <a:buNone/>
-              <a:tabLst/>
-            </a:pPr>
-            <a:r>
-              <a:rPr kumimoji="0" lang="ar-SA" altLang="en-US" sz="4400" b="0" i="0" u="none" strike="noStrike" cap="none" normalizeH="0" baseline="0" dirty="0">
-                <a:ln>
-                  <a:noFill/>
-                </a:ln>
-                <a:solidFill>
-                  <a:srgbClr val="000000"/>
-                </a:solidFill>
-                <a:effectLst/>
-                <a:latin typeface="Arabic Typesetting" panose="03020402040406030203" pitchFamily="66" charset="-78"/>
-                <a:cs typeface="Arabic Typesetting" panose="03020402040406030203" pitchFamily="66" charset="-78"/>
-              </a:rPr>
-              <a:t>وَوَاعَدْنَا مُوسَىٰ ثَلَاثينَ لَيْلَةً</a:t>
-            </a:r>
-            <a:endParaRPr kumimoji="0" lang="en-US" altLang="en-US" sz="4400" b="0" i="0" u="none" strike="noStrike" cap="none" normalizeH="0" baseline="0" dirty="0">
-              <a:ln>
-                <a:noFill/>
-              </a:ln>
-              <a:solidFill>
-                <a:schemeClr val="tx1"/>
-              </a:solidFill>
-              <a:effectLst/>
-              <a:latin typeface="Arabic Typesetting" panose="03020402040406030203" pitchFamily="66" charset="-78"/>
-              <a:cs typeface="Arabic Typesetting" panose="03020402040406030203" pitchFamily="66" charset="-78"/>
-            </a:endParaRPr>
-          </a:p>
-          <a:p>
-            <a:pPr marL="0" marR="0" lvl="0" indent="0" algn="ctr" defTabSz="914400" rtl="1" eaLnBrk="0" fontAlgn="base" latinLnBrk="0" hangingPunct="0">
-              <a:lnSpc>
-                <a:spcPct val="100000"/>
-              </a:lnSpc>
-              <a:spcBef>
-                <a:spcPct val="0"/>
-              </a:spcBef>
-              <a:spcAft>
-                <a:spcPct val="0"/>
-              </a:spcAft>
-              <a:buClrTx/>
-              <a:buSzTx/>
-              <a:buFontTx/>
-              <a:buNone/>
-              <a:tabLst/>
-            </a:pPr>
-            <a:r>
-              <a:rPr kumimoji="0" lang="ar-SA" altLang="en-US" sz="4400" b="0" i="0" u="none" strike="noStrike" cap="none" normalizeH="0" baseline="0" dirty="0">
-                <a:ln>
-                  <a:noFill/>
-                </a:ln>
-                <a:solidFill>
-                  <a:srgbClr val="000000"/>
-                </a:solidFill>
-                <a:effectLst/>
-                <a:latin typeface="Arabic Typesetting" panose="03020402040406030203" pitchFamily="66" charset="-78"/>
-                <a:cs typeface="Arabic Typesetting" panose="03020402040406030203" pitchFamily="66" charset="-78"/>
-              </a:rPr>
-              <a:t>وَأَتْمَمْنَاهَا بِعَشْرٍ</a:t>
-            </a:r>
-            <a:endParaRPr kumimoji="0" lang="en-US" altLang="en-US" sz="4400" b="0" i="0" u="none" strike="noStrike" cap="none" normalizeH="0" baseline="0" dirty="0">
-              <a:ln>
-                <a:noFill/>
-              </a:ln>
-              <a:solidFill>
-                <a:schemeClr val="tx1"/>
-              </a:solidFill>
-              <a:effectLst/>
-              <a:latin typeface="Arabic Typesetting" panose="03020402040406030203" pitchFamily="66" charset="-78"/>
-              <a:cs typeface="Arabic Typesetting" panose="03020402040406030203" pitchFamily="66" charset="-78"/>
-            </a:endParaRPr>
-          </a:p>
-          <a:p>
-            <a:pPr marL="0" marR="0" lvl="0" indent="0" algn="ctr" defTabSz="914400" rtl="1" eaLnBrk="0" fontAlgn="base" latinLnBrk="0" hangingPunct="0">
-              <a:lnSpc>
-                <a:spcPct val="100000"/>
-              </a:lnSpc>
-              <a:spcBef>
-                <a:spcPct val="0"/>
-              </a:spcBef>
-              <a:spcAft>
-                <a:spcPct val="0"/>
-              </a:spcAft>
-              <a:buClrTx/>
-              <a:buSzTx/>
-              <a:buFontTx/>
-              <a:buNone/>
-              <a:tabLst/>
-            </a:pPr>
-            <a:r>
-              <a:rPr kumimoji="0" lang="ar-SA" altLang="en-US" sz="4400" b="0" i="0" u="none" strike="noStrike" cap="none" normalizeH="0" baseline="0" dirty="0">
-                <a:ln>
-                  <a:noFill/>
-                </a:ln>
-                <a:solidFill>
-                  <a:srgbClr val="000000"/>
-                </a:solidFill>
-                <a:effectLst/>
-                <a:latin typeface="Arabic Typesetting" panose="03020402040406030203" pitchFamily="66" charset="-78"/>
-                <a:cs typeface="Arabic Typesetting" panose="03020402040406030203" pitchFamily="66" charset="-78"/>
-              </a:rPr>
-              <a:t>فَتَمَّ مِيقَاتُ رَبِّهِ أَرْبَعينَ لَيْلَةً</a:t>
-            </a:r>
-            <a:endParaRPr kumimoji="0" lang="en-US" altLang="en-US" sz="4400" b="0" i="0" u="none" strike="noStrike" cap="none" normalizeH="0" baseline="0" dirty="0">
-              <a:ln>
-                <a:noFill/>
-              </a:ln>
-              <a:solidFill>
-                <a:schemeClr val="tx1"/>
-              </a:solidFill>
-              <a:effectLst/>
-              <a:latin typeface="Arabic Typesetting" panose="03020402040406030203" pitchFamily="66" charset="-78"/>
-              <a:cs typeface="Arabic Typesetting" panose="03020402040406030203" pitchFamily="66" charset="-78"/>
-            </a:endParaRPr>
-          </a:p>
-          <a:p>
-            <a:pPr marL="0" marR="0" lvl="0" indent="0" algn="ctr" defTabSz="914400" rtl="1" eaLnBrk="0" fontAlgn="base" latinLnBrk="0" hangingPunct="0">
-              <a:lnSpc>
-                <a:spcPct val="100000"/>
-              </a:lnSpc>
-              <a:spcBef>
-                <a:spcPct val="0"/>
-              </a:spcBef>
-              <a:spcAft>
-                <a:spcPct val="0"/>
-              </a:spcAft>
-              <a:buClrTx/>
-              <a:buSzTx/>
-              <a:buFontTx/>
-              <a:buNone/>
-              <a:tabLst/>
-            </a:pPr>
-            <a:r>
-              <a:rPr kumimoji="0" lang="ar-SA" altLang="en-US" sz="4400" b="0" i="0" u="none" strike="noStrike" cap="none" normalizeH="0" baseline="0" dirty="0">
-                <a:ln>
-                  <a:noFill/>
-                </a:ln>
-                <a:solidFill>
-                  <a:srgbClr val="000000"/>
-                </a:solidFill>
-                <a:effectLst/>
-                <a:latin typeface="Arabic Typesetting" panose="03020402040406030203" pitchFamily="66" charset="-78"/>
-                <a:cs typeface="Arabic Typesetting" panose="03020402040406030203" pitchFamily="66" charset="-78"/>
-              </a:rPr>
-              <a:t>وَقَالَ مُوسَىٰ لِأَخِيهِ هَارُونَ </a:t>
-            </a:r>
-            <a:r>
-              <a:rPr kumimoji="0" lang="ar-EG" altLang="en-US" sz="4400" b="0" i="0" u="none" strike="noStrike" cap="none" normalizeH="0" baseline="0" dirty="0">
-                <a:ln>
-                  <a:noFill/>
-                </a:ln>
-                <a:solidFill>
-                  <a:srgbClr val="000000"/>
-                </a:solidFill>
-                <a:effectLst/>
-                <a:latin typeface="Arabic Typesetting" panose="03020402040406030203" pitchFamily="66" charset="-78"/>
-                <a:cs typeface="Arabic Typesetting" panose="03020402040406030203" pitchFamily="66" charset="-78"/>
-              </a:rPr>
-              <a:t>ا</a:t>
-            </a:r>
-            <a:r>
-              <a:rPr kumimoji="0" lang="ar-SA" altLang="en-US" sz="4400" b="0" i="0" u="none" strike="noStrike" cap="none" normalizeH="0" baseline="0" dirty="0">
-                <a:ln>
-                  <a:noFill/>
-                </a:ln>
-                <a:solidFill>
-                  <a:srgbClr val="000000"/>
-                </a:solidFill>
-                <a:effectLst/>
-                <a:latin typeface="Arabic Typesetting" panose="03020402040406030203" pitchFamily="66" charset="-78"/>
-                <a:cs typeface="Arabic Typesetting" panose="03020402040406030203" pitchFamily="66" charset="-78"/>
-              </a:rPr>
-              <a:t>خْلُفْنِي فِي قَوْمِي</a:t>
-            </a:r>
-            <a:endParaRPr kumimoji="0" lang="en-US" altLang="en-US" sz="4400" b="0" i="0" u="none" strike="noStrike" cap="none" normalizeH="0" baseline="0" dirty="0">
-              <a:ln>
-                <a:noFill/>
-              </a:ln>
-              <a:solidFill>
-                <a:schemeClr val="tx1"/>
-              </a:solidFill>
-              <a:effectLst/>
-              <a:latin typeface="Arabic Typesetting" panose="03020402040406030203" pitchFamily="66" charset="-78"/>
-              <a:cs typeface="Arabic Typesetting" panose="03020402040406030203" pitchFamily="66" charset="-78"/>
-            </a:endParaRPr>
-          </a:p>
-          <a:p>
-            <a:pPr marL="0" marR="0" lvl="0" indent="0" algn="ctr" defTabSz="914400" rtl="1" eaLnBrk="0" fontAlgn="base" latinLnBrk="0" hangingPunct="0">
-              <a:lnSpc>
-                <a:spcPct val="100000"/>
-              </a:lnSpc>
-              <a:spcBef>
-                <a:spcPct val="0"/>
-              </a:spcBef>
-              <a:spcAft>
-                <a:spcPct val="0"/>
-              </a:spcAft>
-              <a:buClrTx/>
-              <a:buSzTx/>
-              <a:buFontTx/>
-              <a:buNone/>
-              <a:tabLst/>
-            </a:pPr>
-            <a:r>
-              <a:rPr kumimoji="0" lang="ar-SA" altLang="en-US" sz="4400" b="0" i="0" u="none" strike="noStrike" cap="none" normalizeH="0" baseline="0" dirty="0">
-                <a:ln>
-                  <a:noFill/>
-                </a:ln>
-                <a:solidFill>
-                  <a:srgbClr val="000000"/>
-                </a:solidFill>
-                <a:effectLst/>
-                <a:latin typeface="Arabic Typesetting" panose="03020402040406030203" pitchFamily="66" charset="-78"/>
-                <a:cs typeface="Arabic Typesetting" panose="03020402040406030203" pitchFamily="66" charset="-78"/>
-              </a:rPr>
-              <a:t>وَأَصْلِحْ وَلَا تَتَّبِعْ سَبِيلَ </a:t>
-            </a:r>
-            <a:r>
-              <a:rPr kumimoji="0" lang="ar-EG" altLang="en-US" sz="4400" b="0" i="0" u="none" strike="noStrike" cap="none" normalizeH="0" baseline="0" dirty="0">
-                <a:ln>
-                  <a:noFill/>
-                </a:ln>
-                <a:solidFill>
-                  <a:srgbClr val="000000"/>
-                </a:solidFill>
-                <a:effectLst/>
-                <a:latin typeface="Arabic Typesetting" panose="03020402040406030203" pitchFamily="66" charset="-78"/>
-                <a:cs typeface="Arabic Typesetting" panose="03020402040406030203" pitchFamily="66" charset="-78"/>
-              </a:rPr>
-              <a:t>ا</a:t>
-            </a:r>
-            <a:r>
-              <a:rPr kumimoji="0" lang="ar-SA" altLang="en-US" sz="4400" b="0" i="0" u="none" strike="noStrike" cap="none" normalizeH="0" baseline="0" dirty="0">
-                <a:ln>
-                  <a:noFill/>
-                </a:ln>
-                <a:solidFill>
-                  <a:srgbClr val="000000"/>
-                </a:solidFill>
-                <a:effectLst/>
-                <a:latin typeface="Arabic Typesetting" panose="03020402040406030203" pitchFamily="66" charset="-78"/>
-                <a:cs typeface="Arabic Typesetting" panose="03020402040406030203" pitchFamily="66" charset="-78"/>
-              </a:rPr>
-              <a:t>لْمُفْسِدِينَ</a:t>
-            </a:r>
-            <a:endParaRPr kumimoji="0" lang="en-US" altLang="en-US" sz="4400" b="0" i="0" u="none" strike="noStrike" cap="none" normalizeH="0" baseline="0" dirty="0">
-              <a:ln>
-                <a:noFill/>
-              </a:ln>
-              <a:solidFill>
-                <a:schemeClr val="tx1"/>
-              </a:solidFill>
-              <a:effectLst/>
-              <a:latin typeface="Arabic Typesetting" panose="03020402040406030203" pitchFamily="66" charset="-78"/>
-              <a:cs typeface="Arabic Typesetting" panose="03020402040406030203" pitchFamily="66" charset="-78"/>
-            </a:endParaRPr>
-          </a:p>
-        </p:txBody>
-      </p:sp>
-      <p:sp>
-        <p:nvSpPr>
-          <p:cNvPr id="10" name="TextBox 9">
-            <a:extLst>
-              <a:ext uri="{FF2B5EF4-FFF2-40B4-BE49-F238E27FC236}">
-                <a16:creationId xmlns:a16="http://schemas.microsoft.com/office/drawing/2014/main" id="{EA73857C-3572-CD12-470D-BC5D0B814C43}"/>
-              </a:ext>
-            </a:extLst>
-          </p:cNvPr>
-          <p:cNvSpPr txBox="1"/>
-          <p:nvPr/>
-        </p:nvSpPr>
-        <p:spPr>
-          <a:xfrm>
-            <a:off x="706310" y="3140520"/>
-            <a:ext cx="4968552" cy="3416320"/>
-          </a:xfrm>
-          <a:prstGeom prst="rect">
-            <a:avLst/>
-          </a:prstGeom>
-          <a:noFill/>
-        </p:spPr>
-        <p:txBody>
-          <a:bodyPr wrap="square">
-            <a:spAutoFit/>
-          </a:bodyPr>
-          <a:lstStyle/>
-          <a:p>
-            <a:pPr marL="0" marR="0" lvl="0" indent="0" algn="l" defTabSz="914400" rtl="0" eaLnBrk="0" fontAlgn="base" latinLnBrk="0" hangingPunct="0">
-              <a:lnSpc>
-                <a:spcPct val="100000"/>
-              </a:lnSpc>
-              <a:spcBef>
-                <a:spcPct val="0"/>
-              </a:spcBef>
-              <a:spcAft>
-                <a:spcPct val="0"/>
-              </a:spcAft>
-              <a:buClrTx/>
-              <a:buSzTx/>
-              <a:buFontTx/>
-              <a:buNone/>
-              <a:tabLst/>
-            </a:pPr>
-            <a:r>
-              <a:rPr kumimoji="0" lang="en-US" altLang="en-US" sz="2400" b="0" i="0" u="none" strike="noStrike" cap="none" normalizeH="0" baseline="0" dirty="0">
-                <a:ln>
-                  <a:noFill/>
-                </a:ln>
-                <a:solidFill>
-                  <a:srgbClr val="000000"/>
-                </a:solidFill>
-                <a:effectLst/>
-                <a:latin typeface="+mn-lt"/>
-              </a:rPr>
-              <a:t>And We appointed with Moses a time of thirty nights and completed them with ten more, so the appointed time of his Lord was complete forty nights, and Moses said to his brother Aaron: Take my place among my people, and act well and do not follow the way of the mischief-makers.</a:t>
-            </a:r>
-          </a:p>
-        </p:txBody>
-      </p:sp>
-      <p:sp>
-        <p:nvSpPr>
-          <p:cNvPr id="9" name="TextBox 8">
-            <a:extLst>
-              <a:ext uri="{FF2B5EF4-FFF2-40B4-BE49-F238E27FC236}">
-                <a16:creationId xmlns:a16="http://schemas.microsoft.com/office/drawing/2014/main" id="{52ADEE9D-9820-3E25-2585-EBE889D48E27}"/>
-              </a:ext>
-            </a:extLst>
-          </p:cNvPr>
-          <p:cNvSpPr txBox="1"/>
-          <p:nvPr/>
-        </p:nvSpPr>
-        <p:spPr>
-          <a:xfrm>
-            <a:off x="838199" y="1268760"/>
-            <a:ext cx="10082337" cy="1477328"/>
-          </a:xfrm>
-          <a:prstGeom prst="rect">
-            <a:avLst/>
-          </a:prstGeom>
-          <a:noFill/>
-        </p:spPr>
-        <p:txBody>
-          <a:bodyPr wrap="square">
-            <a:spAutoFit/>
-          </a:bodyPr>
-          <a:lstStyle/>
-          <a:p>
-            <a:r>
-              <a:rPr lang="en-US" dirty="0">
-                <a:solidFill>
-                  <a:srgbClr val="000000"/>
-                </a:solidFill>
-              </a:rPr>
-              <a:t>The reward of offering this prayer is to participate in the rewards of those who go on Hajj.</a:t>
-            </a:r>
-          </a:p>
-          <a:p>
-            <a:endParaRPr lang="en-US" dirty="0">
-              <a:solidFill>
-                <a:srgbClr val="000000"/>
-              </a:solidFill>
-            </a:endParaRPr>
-          </a:p>
-          <a:p>
-            <a:r>
-              <a:rPr lang="en-US" dirty="0">
-                <a:solidFill>
-                  <a:srgbClr val="000000"/>
-                </a:solidFill>
-              </a:rPr>
-              <a:t>At each of these ten nights, it is recommended to offer a </a:t>
-            </a:r>
-            <a:r>
-              <a:rPr lang="en-US" b="1" dirty="0">
-                <a:solidFill>
-                  <a:srgbClr val="000000"/>
-                </a:solidFill>
-              </a:rPr>
-              <a:t>two-unit prayer between the Maghrib and `</a:t>
-            </a:r>
-            <a:r>
-              <a:rPr lang="en-US" b="1" dirty="0" err="1">
-                <a:solidFill>
-                  <a:srgbClr val="000000"/>
-                </a:solidFill>
-              </a:rPr>
-              <a:t>Isha</a:t>
-            </a:r>
-            <a:r>
-              <a:rPr lang="en-US" b="1" dirty="0">
-                <a:solidFill>
-                  <a:srgbClr val="000000"/>
-                </a:solidFill>
-              </a:rPr>
-              <a:t>' obligatory prayers and to </a:t>
-            </a:r>
-            <a:r>
-              <a:rPr lang="en-US" b="1" dirty="0">
-                <a:solidFill>
-                  <a:schemeClr val="accent1">
-                    <a:lumMod val="75000"/>
-                  </a:schemeClr>
-                </a:solidFill>
-              </a:rPr>
-              <a:t>recite at each unit Surah al-</a:t>
-            </a:r>
-            <a:r>
-              <a:rPr lang="en-US" b="1" dirty="0" err="1">
-                <a:solidFill>
-                  <a:schemeClr val="accent1">
-                    <a:lumMod val="75000"/>
-                  </a:schemeClr>
-                </a:solidFill>
-              </a:rPr>
-              <a:t>Fatihah</a:t>
-            </a:r>
-            <a:r>
-              <a:rPr lang="en-US" b="1" dirty="0">
-                <a:solidFill>
-                  <a:schemeClr val="accent1">
-                    <a:lumMod val="75000"/>
-                  </a:schemeClr>
-                </a:solidFill>
-              </a:rPr>
-              <a:t> once, Surah al-Tawhid once, and the following verse (7/142):</a:t>
-            </a:r>
-          </a:p>
-        </p:txBody>
-      </p:sp>
-    </p:spTree>
-    <p:extLst>
-      <p:ext uri="{BB962C8B-B14F-4D97-AF65-F5344CB8AC3E}">
-        <p14:creationId xmlns:p14="http://schemas.microsoft.com/office/powerpoint/2010/main" val="2467612557"/>
-      </p:ext>
-    </p:extLst>
-  </p:cSld>
-  <p:clrMapOvr>
-    <a:masterClrMapping/>
-  </p:clrMapOvr>
-  <p:transition>
-    <p:fade/>
-  </p:transition>
 </p:sld>
 </file>
 

--- a/PPTs/Aza - Salah.pptx
+++ b/PPTs/Aza - Salah.pptx
@@ -11,7 +11,7 @@
   <p:sldIdLst>
     <p:sldId id="261" r:id="rId3"/>
     <p:sldId id="263" r:id="rId4"/>
-    <p:sldId id="262" r:id="rId5"/>
+    <p:sldId id="5556" r:id="rId5"/>
     <p:sldId id="5553" r:id="rId6"/>
     <p:sldId id="5554" r:id="rId7"/>
     <p:sldId id="5530" r:id="rId8"/>
@@ -23,7 +23,7 @@
     <p:sldId id="5529" r:id="rId14"/>
     <p:sldId id="260" r:id="rId15"/>
     <p:sldId id="5525" r:id="rId16"/>
-    <p:sldId id="5555" r:id="rId17"/>
+    <p:sldId id="5557" r:id="rId17"/>
     <p:sldId id="5441" r:id="rId18"/>
     <p:sldId id="5042" r:id="rId19"/>
     <p:sldId id="5536" r:id="rId20"/>
@@ -259,7 +259,7 @@
               <a:pPr>
                 <a:defRPr/>
               </a:pPr>
-              <a:t>7/8/2024</a:t>
+              <a:t>7/10/2024</a:t>
             </a:fld>
             <a:endParaRPr lang="en-US"/>
           </a:p>
@@ -7816,19 +7816,19 @@
             </a:extLst>
           </p:cNvPr>
           <p:cNvPicPr>
-            <a:picLocks noGrp="1" noRot="1" noChangeAspect="1" noMove="1" noResize="1" noEditPoints="1" noAdjustHandles="1" noChangeArrowheads="1" noChangeShapeType="1" noCrop="1"/>
+            <a:picLocks noChangeAspect="1"/>
           </p:cNvPicPr>
           <p:nvPr/>
         </p:nvPicPr>
         <p:blipFill rotWithShape="1">
           <a:blip r:embed="rId2"/>
-          <a:srcRect l="24690" r="27248" b="16665"/>
+          <a:srcRect l="10784" t="12799" r="27248" b="11727"/>
           <a:stretch/>
         </p:blipFill>
         <p:spPr>
           <a:xfrm>
-            <a:off x="7248128" y="-1"/>
-            <a:ext cx="4943872" cy="6858001"/>
+            <a:off x="5162550" y="0"/>
+            <a:ext cx="7029450" cy="6849289"/>
           </a:xfrm>
           <a:prstGeom prst="rect">
             <a:avLst/>
@@ -8171,7 +8171,7 @@
         </p:nvSpPr>
         <p:spPr>
           <a:xfrm>
-            <a:off x="8421468" y="5713181"/>
+            <a:off x="8116059" y="5507547"/>
             <a:ext cx="3328784" cy="781689"/>
           </a:xfrm>
           <a:prstGeom prst="rect">
@@ -8203,6 +8203,23 @@
               <a:defRPr/>
             </a:pPr>
             <a:r>
+              <a:rPr kumimoji="0" lang="ur-PK" sz="2000" b="0" i="0" u="none" strike="noStrike" kern="1200" cap="none" spc="0" normalizeH="0" baseline="0" noProof="0" dirty="0" err="1">
+                <a:ln>
+                  <a:noFill/>
+                </a:ln>
+                <a:solidFill>
+                  <a:srgbClr val="F4E1C4"/>
+                </a:solidFill>
+                <a:effectLst/>
+                <a:uLnTx/>
+                <a:uFillTx/>
+                <a:latin typeface="Abbas" panose="02000000000000000000" pitchFamily="2" charset="-78"/>
+                <a:ea typeface="+mn-ea"/>
+                <a:cs typeface="Abbas" panose="02000000000000000000" pitchFamily="2" charset="-78"/>
+              </a:rPr>
+              <a:t>إِنَّهُمْ</a:t>
+            </a:r>
+            <a:r>
               <a:rPr kumimoji="0" lang="ur-PK" sz="2000" b="0" i="0" u="none" strike="noStrike" kern="1200" cap="none" spc="0" normalizeH="0" baseline="0" noProof="0" dirty="0">
                 <a:ln>
                   <a:noFill/>
@@ -8217,7 +8234,126 @@
                 <a:ea typeface="+mn-ea"/>
                 <a:cs typeface="Abbas" panose="02000000000000000000" pitchFamily="2" charset="-78"/>
               </a:rPr>
-              <a:t>إِنَّهُمْ يَرَوْنَهُ بَعِيداً وَنَرَاهُ قَرِيباً</a:t>
+              <a:t> </a:t>
+            </a:r>
+            <a:r>
+              <a:rPr kumimoji="0" lang="ur-PK" sz="2000" b="0" i="0" u="none" strike="noStrike" kern="1200" cap="none" spc="0" normalizeH="0" baseline="0" noProof="0" dirty="0" err="1">
+                <a:ln>
+                  <a:noFill/>
+                </a:ln>
+                <a:solidFill>
+                  <a:srgbClr val="F4E1C4"/>
+                </a:solidFill>
+                <a:effectLst/>
+                <a:uLnTx/>
+                <a:uFillTx/>
+                <a:latin typeface="Abbas" panose="02000000000000000000" pitchFamily="2" charset="-78"/>
+                <a:ea typeface="+mn-ea"/>
+                <a:cs typeface="Abbas" panose="02000000000000000000" pitchFamily="2" charset="-78"/>
+              </a:rPr>
+              <a:t>يَرَوْنَهُ</a:t>
+            </a:r>
+            <a:r>
+              <a:rPr kumimoji="0" lang="ur-PK" sz="2000" b="0" i="0" u="none" strike="noStrike" kern="1200" cap="none" spc="0" normalizeH="0" baseline="0" noProof="0" dirty="0">
+                <a:ln>
+                  <a:noFill/>
+                </a:ln>
+                <a:solidFill>
+                  <a:srgbClr val="F4E1C4"/>
+                </a:solidFill>
+                <a:effectLst/>
+                <a:uLnTx/>
+                <a:uFillTx/>
+                <a:latin typeface="Abbas" panose="02000000000000000000" pitchFamily="2" charset="-78"/>
+                <a:ea typeface="+mn-ea"/>
+                <a:cs typeface="Abbas" panose="02000000000000000000" pitchFamily="2" charset="-78"/>
+              </a:rPr>
+              <a:t> </a:t>
+            </a:r>
+            <a:r>
+              <a:rPr kumimoji="0" lang="ur-PK" sz="2000" b="0" i="0" u="none" strike="noStrike" kern="1200" cap="none" spc="0" normalizeH="0" baseline="0" noProof="0" dirty="0" err="1">
+                <a:ln>
+                  <a:noFill/>
+                </a:ln>
+                <a:solidFill>
+                  <a:srgbClr val="F4E1C4"/>
+                </a:solidFill>
+                <a:effectLst/>
+                <a:uLnTx/>
+                <a:uFillTx/>
+                <a:latin typeface="Abbas" panose="02000000000000000000" pitchFamily="2" charset="-78"/>
+                <a:ea typeface="+mn-ea"/>
+                <a:cs typeface="Abbas" panose="02000000000000000000" pitchFamily="2" charset="-78"/>
+              </a:rPr>
+              <a:t>بَعِيداً</a:t>
+            </a:r>
+            <a:r>
+              <a:rPr kumimoji="0" lang="ur-PK" sz="2000" b="0" i="0" u="none" strike="noStrike" kern="1200" cap="none" spc="0" normalizeH="0" baseline="0" noProof="0" dirty="0">
+                <a:ln>
+                  <a:noFill/>
+                </a:ln>
+                <a:solidFill>
+                  <a:srgbClr val="F4E1C4"/>
+                </a:solidFill>
+                <a:effectLst/>
+                <a:uLnTx/>
+                <a:uFillTx/>
+                <a:latin typeface="Abbas" panose="02000000000000000000" pitchFamily="2" charset="-78"/>
+                <a:ea typeface="+mn-ea"/>
+                <a:cs typeface="Abbas" panose="02000000000000000000" pitchFamily="2" charset="-78"/>
+              </a:rPr>
+              <a:t> </a:t>
+            </a:r>
+            <a:r>
+              <a:rPr kumimoji="0" lang="ur-PK" sz="2000" b="0" i="0" u="none" strike="noStrike" kern="1200" cap="none" spc="0" normalizeH="0" baseline="0" noProof="0" dirty="0" err="1">
+                <a:ln>
+                  <a:noFill/>
+                </a:ln>
+                <a:solidFill>
+                  <a:srgbClr val="F4E1C4"/>
+                </a:solidFill>
+                <a:effectLst/>
+                <a:uLnTx/>
+                <a:uFillTx/>
+                <a:latin typeface="Abbas" panose="02000000000000000000" pitchFamily="2" charset="-78"/>
+                <a:ea typeface="+mn-ea"/>
+                <a:cs typeface="Abbas" panose="02000000000000000000" pitchFamily="2" charset="-78"/>
+              </a:rPr>
+              <a:t>وَنَرَاهُ</a:t>
+            </a:r>
+            <a:r>
+              <a:rPr kumimoji="0" lang="ur-PK" sz="2000" b="0" i="0" u="none" strike="noStrike" kern="1200" cap="none" spc="0" normalizeH="0" baseline="0" noProof="0" dirty="0">
+                <a:ln>
+                  <a:noFill/>
+                </a:ln>
+                <a:solidFill>
+                  <a:srgbClr val="F4E1C4"/>
+                </a:solidFill>
+                <a:effectLst/>
+                <a:uLnTx/>
+                <a:uFillTx/>
+                <a:latin typeface="Abbas" panose="02000000000000000000" pitchFamily="2" charset="-78"/>
+                <a:ea typeface="+mn-ea"/>
+                <a:cs typeface="Abbas" panose="02000000000000000000" pitchFamily="2" charset="-78"/>
+              </a:rPr>
+              <a:t> </a:t>
+            </a:r>
+            <a:r>
+              <a:rPr kumimoji="0" lang="ur-PK" sz="2000" b="0" i="0" u="none" strike="noStrike" kern="1200" cap="none" spc="0" normalizeH="0" baseline="0" noProof="0" dirty="0" err="1">
+                <a:ln>
+                  <a:noFill/>
+                </a:ln>
+                <a:solidFill>
+                  <a:srgbClr val="F4E1C4"/>
+                </a:solidFill>
+                <a:effectLst/>
+                <a:uLnTx/>
+                <a:uFillTx/>
+                <a:latin typeface="Abbas" panose="02000000000000000000" pitchFamily="2" charset="-78"/>
+                <a:ea typeface="+mn-ea"/>
+                <a:cs typeface="Abbas" panose="02000000000000000000" pitchFamily="2" charset="-78"/>
+              </a:rPr>
+              <a:t>قَرِيباً</a:t>
             </a:r>
             <a:endParaRPr kumimoji="0" lang="en-CA" sz="2000" b="0" i="0" u="none" strike="noStrike" kern="1200" cap="none" spc="0" normalizeH="0" baseline="0" noProof="0" dirty="0">
               <a:ln>
@@ -8306,7 +8442,7 @@
     </p:spTree>
     <p:extLst>
       <p:ext uri="{BB962C8B-B14F-4D97-AF65-F5344CB8AC3E}">
-        <p14:creationId xmlns:p14="http://schemas.microsoft.com/office/powerpoint/2010/main" val="3382749348"/>
+        <p14:creationId xmlns:p14="http://schemas.microsoft.com/office/powerpoint/2010/main" val="4041147191"/>
       </p:ext>
     </p:extLst>
   </p:cSld>
@@ -10004,19 +10140,19 @@
             </a:extLst>
           </p:cNvPr>
           <p:cNvPicPr>
-            <a:picLocks noGrp="1" noRot="1" noChangeAspect="1" noMove="1" noResize="1" noEditPoints="1" noAdjustHandles="1" noChangeArrowheads="1" noChangeShapeType="1" noCrop="1"/>
+            <a:picLocks noChangeAspect="1"/>
           </p:cNvPicPr>
           <p:nvPr/>
         </p:nvPicPr>
         <p:blipFill rotWithShape="1">
           <a:blip r:embed="rId2"/>
-          <a:srcRect l="24690" r="27248" b="16665"/>
+          <a:srcRect l="10784" t="12799" r="27248" b="11727"/>
           <a:stretch/>
         </p:blipFill>
         <p:spPr>
           <a:xfrm>
-            <a:off x="7248128" y="-1"/>
-            <a:ext cx="4943872" cy="6858001"/>
+            <a:off x="5162550" y="0"/>
+            <a:ext cx="7029450" cy="6849289"/>
           </a:xfrm>
           <a:prstGeom prst="rect">
             <a:avLst/>
@@ -10359,7 +10495,7 @@
         </p:nvSpPr>
         <p:spPr>
           <a:xfrm>
-            <a:off x="8421468" y="5713181"/>
+            <a:off x="8116059" y="5507547"/>
             <a:ext cx="3328784" cy="781689"/>
           </a:xfrm>
           <a:prstGeom prst="rect">
@@ -10391,6 +10527,23 @@
               <a:defRPr/>
             </a:pPr>
             <a:r>
+              <a:rPr kumimoji="0" lang="ur-PK" sz="2000" b="0" i="0" u="none" strike="noStrike" kern="1200" cap="none" spc="0" normalizeH="0" baseline="0" noProof="0" dirty="0" err="1">
+                <a:ln>
+                  <a:noFill/>
+                </a:ln>
+                <a:solidFill>
+                  <a:srgbClr val="F4E1C4"/>
+                </a:solidFill>
+                <a:effectLst/>
+                <a:uLnTx/>
+                <a:uFillTx/>
+                <a:latin typeface="Abbas" panose="02000000000000000000" pitchFamily="2" charset="-78"/>
+                <a:ea typeface="+mn-ea"/>
+                <a:cs typeface="Abbas" panose="02000000000000000000" pitchFamily="2" charset="-78"/>
+              </a:rPr>
+              <a:t>إِنَّهُمْ</a:t>
+            </a:r>
+            <a:r>
               <a:rPr kumimoji="0" lang="ur-PK" sz="2000" b="0" i="0" u="none" strike="noStrike" kern="1200" cap="none" spc="0" normalizeH="0" baseline="0" noProof="0" dirty="0">
                 <a:ln>
                   <a:noFill/>
@@ -10405,7 +10558,126 @@
                 <a:ea typeface="+mn-ea"/>
                 <a:cs typeface="Abbas" panose="02000000000000000000" pitchFamily="2" charset="-78"/>
               </a:rPr>
-              <a:t>إِنَّهُمْ يَرَوْنَهُ بَعِيداً وَنَرَاهُ قَرِيباً</a:t>
+              <a:t> </a:t>
+            </a:r>
+            <a:r>
+              <a:rPr kumimoji="0" lang="ur-PK" sz="2000" b="0" i="0" u="none" strike="noStrike" kern="1200" cap="none" spc="0" normalizeH="0" baseline="0" noProof="0" dirty="0" err="1">
+                <a:ln>
+                  <a:noFill/>
+                </a:ln>
+                <a:solidFill>
+                  <a:srgbClr val="F4E1C4"/>
+                </a:solidFill>
+                <a:effectLst/>
+                <a:uLnTx/>
+                <a:uFillTx/>
+                <a:latin typeface="Abbas" panose="02000000000000000000" pitchFamily="2" charset="-78"/>
+                <a:ea typeface="+mn-ea"/>
+                <a:cs typeface="Abbas" panose="02000000000000000000" pitchFamily="2" charset="-78"/>
+              </a:rPr>
+              <a:t>يَرَوْنَهُ</a:t>
+            </a:r>
+            <a:r>
+              <a:rPr kumimoji="0" lang="ur-PK" sz="2000" b="0" i="0" u="none" strike="noStrike" kern="1200" cap="none" spc="0" normalizeH="0" baseline="0" noProof="0" dirty="0">
+                <a:ln>
+                  <a:noFill/>
+                </a:ln>
+                <a:solidFill>
+                  <a:srgbClr val="F4E1C4"/>
+                </a:solidFill>
+                <a:effectLst/>
+                <a:uLnTx/>
+                <a:uFillTx/>
+                <a:latin typeface="Abbas" panose="02000000000000000000" pitchFamily="2" charset="-78"/>
+                <a:ea typeface="+mn-ea"/>
+                <a:cs typeface="Abbas" panose="02000000000000000000" pitchFamily="2" charset="-78"/>
+              </a:rPr>
+              <a:t> </a:t>
+            </a:r>
+            <a:r>
+              <a:rPr kumimoji="0" lang="ur-PK" sz="2000" b="0" i="0" u="none" strike="noStrike" kern="1200" cap="none" spc="0" normalizeH="0" baseline="0" noProof="0" dirty="0" err="1">
+                <a:ln>
+                  <a:noFill/>
+                </a:ln>
+                <a:solidFill>
+                  <a:srgbClr val="F4E1C4"/>
+                </a:solidFill>
+                <a:effectLst/>
+                <a:uLnTx/>
+                <a:uFillTx/>
+                <a:latin typeface="Abbas" panose="02000000000000000000" pitchFamily="2" charset="-78"/>
+                <a:ea typeface="+mn-ea"/>
+                <a:cs typeface="Abbas" panose="02000000000000000000" pitchFamily="2" charset="-78"/>
+              </a:rPr>
+              <a:t>بَعِيداً</a:t>
+            </a:r>
+            <a:r>
+              <a:rPr kumimoji="0" lang="ur-PK" sz="2000" b="0" i="0" u="none" strike="noStrike" kern="1200" cap="none" spc="0" normalizeH="0" baseline="0" noProof="0" dirty="0">
+                <a:ln>
+                  <a:noFill/>
+                </a:ln>
+                <a:solidFill>
+                  <a:srgbClr val="F4E1C4"/>
+                </a:solidFill>
+                <a:effectLst/>
+                <a:uLnTx/>
+                <a:uFillTx/>
+                <a:latin typeface="Abbas" panose="02000000000000000000" pitchFamily="2" charset="-78"/>
+                <a:ea typeface="+mn-ea"/>
+                <a:cs typeface="Abbas" panose="02000000000000000000" pitchFamily="2" charset="-78"/>
+              </a:rPr>
+              <a:t> </a:t>
+            </a:r>
+            <a:r>
+              <a:rPr kumimoji="0" lang="ur-PK" sz="2000" b="0" i="0" u="none" strike="noStrike" kern="1200" cap="none" spc="0" normalizeH="0" baseline="0" noProof="0" dirty="0" err="1">
+                <a:ln>
+                  <a:noFill/>
+                </a:ln>
+                <a:solidFill>
+                  <a:srgbClr val="F4E1C4"/>
+                </a:solidFill>
+                <a:effectLst/>
+                <a:uLnTx/>
+                <a:uFillTx/>
+                <a:latin typeface="Abbas" panose="02000000000000000000" pitchFamily="2" charset="-78"/>
+                <a:ea typeface="+mn-ea"/>
+                <a:cs typeface="Abbas" panose="02000000000000000000" pitchFamily="2" charset="-78"/>
+              </a:rPr>
+              <a:t>وَنَرَاهُ</a:t>
+            </a:r>
+            <a:r>
+              <a:rPr kumimoji="0" lang="ur-PK" sz="2000" b="0" i="0" u="none" strike="noStrike" kern="1200" cap="none" spc="0" normalizeH="0" baseline="0" noProof="0" dirty="0">
+                <a:ln>
+                  <a:noFill/>
+                </a:ln>
+                <a:solidFill>
+                  <a:srgbClr val="F4E1C4"/>
+                </a:solidFill>
+                <a:effectLst/>
+                <a:uLnTx/>
+                <a:uFillTx/>
+                <a:latin typeface="Abbas" panose="02000000000000000000" pitchFamily="2" charset="-78"/>
+                <a:ea typeface="+mn-ea"/>
+                <a:cs typeface="Abbas" panose="02000000000000000000" pitchFamily="2" charset="-78"/>
+              </a:rPr>
+              <a:t> </a:t>
+            </a:r>
+            <a:r>
+              <a:rPr kumimoji="0" lang="ur-PK" sz="2000" b="0" i="0" u="none" strike="noStrike" kern="1200" cap="none" spc="0" normalizeH="0" baseline="0" noProof="0" dirty="0" err="1">
+                <a:ln>
+                  <a:noFill/>
+                </a:ln>
+                <a:solidFill>
+                  <a:srgbClr val="F4E1C4"/>
+                </a:solidFill>
+                <a:effectLst/>
+                <a:uLnTx/>
+                <a:uFillTx/>
+                <a:latin typeface="Abbas" panose="02000000000000000000" pitchFamily="2" charset="-78"/>
+                <a:ea typeface="+mn-ea"/>
+                <a:cs typeface="Abbas" panose="02000000000000000000" pitchFamily="2" charset="-78"/>
+              </a:rPr>
+              <a:t>قَرِيباً</a:t>
             </a:r>
             <a:endParaRPr kumimoji="0" lang="en-CA" sz="2000" b="0" i="0" u="none" strike="noStrike" kern="1200" cap="none" spc="0" normalizeH="0" baseline="0" noProof="0" dirty="0">
               <a:ln>
@@ -10494,7 +10766,7 @@
     </p:spTree>
     <p:extLst>
       <p:ext uri="{BB962C8B-B14F-4D97-AF65-F5344CB8AC3E}">
-        <p14:creationId xmlns:p14="http://schemas.microsoft.com/office/powerpoint/2010/main" val="1633471537"/>
+        <p14:creationId xmlns:p14="http://schemas.microsoft.com/office/powerpoint/2010/main" val="3890732100"/>
       </p:ext>
     </p:extLst>
   </p:cSld>

--- a/PPTs/Aza - Salah.pptx
+++ b/PPTs/Aza - Salah.pptx
@@ -259,7 +259,7 @@
               <a:pPr>
                 <a:defRPr/>
               </a:pPr>
-              <a:t>7/10/2024</a:t>
+              <a:t>10/11/2024</a:t>
             </a:fld>
             <a:endParaRPr lang="en-US"/>
           </a:p>
@@ -5933,18 +5933,13 @@
           </a:lstStyle>
           <a:p>
             <a:r>
-              <a:rPr lang="en-CA" kern="0" dirty="0" err="1">
+              <a:rPr lang="en-CA" kern="0" dirty="0">
                 <a:latin typeface="Calibri Light" panose="020F0302020204030204" pitchFamily="34" charset="0"/>
                 <a:ea typeface="Calibri Light" panose="020F0302020204030204" pitchFamily="34" charset="0"/>
                 <a:cs typeface="Calibri Light" panose="020F0302020204030204" pitchFamily="34" charset="0"/>
               </a:rPr>
-              <a:t>Azaan</a:t>
-            </a:r>
-            <a:endParaRPr lang="en-CA" kern="0" dirty="0">
-              <a:latin typeface="Calibri Light" panose="020F0302020204030204" pitchFamily="34" charset="0"/>
-              <a:ea typeface="Calibri Light" panose="020F0302020204030204" pitchFamily="34" charset="0"/>
-              <a:cs typeface="Calibri Light" panose="020F0302020204030204" pitchFamily="34" charset="0"/>
-            </a:endParaRPr>
+              <a:t>Adhan</a:t>
+            </a:r>
           </a:p>
         </p:txBody>
       </p:sp>
